--- a/CA_venues.pptx
+++ b/CA_venues.pptx
@@ -4620,10 +4620,16 @@
               <a:t>also</a:t>
             </a:r>
             <a:r>
-              <a:rPr lang="es-SV" smtClean="0">
-                <a:latin typeface="Modern No. 20" panose="02070704070505020303" pitchFamily="18" charset="0"/>
-              </a:rPr>
-              <a:t> seems</a:t>
+              <a:rPr lang="es-SV" dirty="0" smtClean="0">
+                <a:latin typeface="Modern No. 20" panose="02070704070505020303" pitchFamily="18" charset="0"/>
+              </a:rPr>
+              <a:t> </a:t>
+            </a:r>
+            <a:r>
+              <a:rPr lang="es-SV" dirty="0" err="1" smtClean="0">
+                <a:latin typeface="Modern No. 20" panose="02070704070505020303" pitchFamily="18" charset="0"/>
+              </a:rPr>
+              <a:t>seems</a:t>
             </a:r>
             <a:r>
               <a:rPr lang="es-SV" dirty="0" smtClean="0">
@@ -5356,10 +5362,16 @@
         </p:nvSpPr>
         <p:spPr/>
         <p:txBody>
-          <a:bodyPr/>
+          <a:bodyPr>
+            <a:normAutofit/>
+          </a:bodyPr>
           <a:lstStyle/>
           <a:p>
-            <a:endParaRPr lang="en-US"/>
+            <a:r>
+              <a:rPr lang="es-SV" dirty="0" smtClean="0"/>
+              <a:t>Data</a:t>
+            </a:r>
+            <a:endParaRPr lang="en-US" dirty="0"/>
           </a:p>
         </p:txBody>
       </p:sp>
@@ -5386,8 +5398,8 @@
         </p:blipFill>
         <p:spPr bwMode="auto">
           <a:xfrm>
-            <a:off x="539552" y="2132856"/>
-            <a:ext cx="7637991" cy="2160240"/>
+            <a:off x="1007603" y="1484784"/>
+            <a:ext cx="7133934" cy="2017678"/>
           </a:xfrm>
           <a:prstGeom prst="rect">
             <a:avLst/>
@@ -5417,6 +5429,99 @@
           </a:extLst>
         </p:spPr>
       </p:pic>
+      <p:pic>
+        <p:nvPicPr>
+          <p:cNvPr id="6147" name="Picture 3"/>
+          <p:cNvPicPr>
+            <a:picLocks noChangeAspect="1" noChangeArrowheads="1"/>
+          </p:cNvPicPr>
+          <p:nvPr/>
+        </p:nvPicPr>
+        <p:blipFill>
+          <a:blip r:embed="rId3">
+            <a:extLst>
+              <a:ext uri="{28A0092B-C50C-407E-A947-70E740481C1C}">
+                <a14:useLocalDpi xmlns:a14="http://schemas.microsoft.com/office/drawing/2010/main" val="0"/>
+              </a:ext>
+            </a:extLst>
+          </a:blip>
+          <a:srcRect/>
+          <a:stretch>
+            <a:fillRect/>
+          </a:stretch>
+        </p:blipFill>
+        <p:spPr bwMode="auto">
+          <a:xfrm>
+            <a:off x="316920" y="4478042"/>
+            <a:ext cx="8515300" cy="1590207"/>
+          </a:xfrm>
+          <a:prstGeom prst="rect">
+            <a:avLst/>
+          </a:prstGeom>
+          <a:noFill/>
+          <a:ln>
+            <a:noFill/>
+          </a:ln>
+          <a:extLst>
+            <a:ext uri="{909E8E84-426E-40DD-AFC4-6F175D3DCCD1}">
+              <a14:hiddenFill xmlns:a14="http://schemas.microsoft.com/office/drawing/2010/main">
+                <a:solidFill>
+                  <a:schemeClr val="accent1"/>
+                </a:solidFill>
+              </a14:hiddenFill>
+            </a:ext>
+            <a:ext uri="{91240B29-F687-4F45-9708-019B960494DF}">
+              <a14:hiddenLine xmlns:a14="http://schemas.microsoft.com/office/drawing/2010/main" w="9525">
+                <a:solidFill>
+                  <a:schemeClr val="tx1"/>
+                </a:solidFill>
+                <a:miter lim="800000"/>
+                <a:headEnd/>
+                <a:tailEnd/>
+              </a14:hiddenLine>
+            </a:ext>
+          </a:extLst>
+        </p:spPr>
+      </p:pic>
+      <p:cxnSp>
+        <p:nvCxnSpPr>
+          <p:cNvPr id="5" name="4 Conector recto de flecha"/>
+          <p:cNvCxnSpPr>
+            <a:stCxn id="6146" idx="2"/>
+            <a:endCxn id="6147" idx="0"/>
+          </p:cNvCxnSpPr>
+          <p:nvPr/>
+        </p:nvCxnSpPr>
+        <p:spPr>
+          <a:xfrm>
+            <a:off x="4574570" y="3502462"/>
+            <a:ext cx="0" cy="975580"/>
+          </a:xfrm>
+          <a:prstGeom prst="straightConnector1">
+            <a:avLst/>
+          </a:prstGeom>
+          <a:ln w="38100">
+            <a:solidFill>
+              <a:schemeClr val="tx1"/>
+            </a:solidFill>
+            <a:tailEnd type="arrow"/>
+          </a:ln>
+        </p:spPr>
+        <p:style>
+          <a:lnRef idx="1">
+            <a:schemeClr val="dk1"/>
+          </a:lnRef>
+          <a:fillRef idx="0">
+            <a:schemeClr val="dk1"/>
+          </a:fillRef>
+          <a:effectRef idx="0">
+            <a:schemeClr val="dk1"/>
+          </a:effectRef>
+          <a:fontRef idx="minor">
+            <a:schemeClr val="tx1"/>
+          </a:fontRef>
+        </p:style>
+      </p:cxnSp>
     </p:spTree>
     <p:extLst>
       <p:ext uri="{BB962C8B-B14F-4D97-AF65-F5344CB8AC3E}">
